--- a/9주차 최종본.pptx
+++ b/9주차 최종본.pptx
@@ -5,35 +5,36 @@
     <p:sldMasterId id="2147483662" r:id="rId1"/>
   </p:sldMasterIdLst>
   <p:notesMasterIdLst>
-    <p:notesMasterId r:id="rId9"/>
+    <p:notesMasterId r:id="rId10"/>
   </p:notesMasterIdLst>
   <p:sldIdLst>
     <p:sldId id="256" r:id="rId2"/>
     <p:sldId id="257" r:id="rId3"/>
-    <p:sldId id="258" r:id="rId4"/>
-    <p:sldId id="259" r:id="rId5"/>
-    <p:sldId id="260" r:id="rId6"/>
-    <p:sldId id="261" r:id="rId7"/>
-    <p:sldId id="262" r:id="rId8"/>
+    <p:sldId id="263" r:id="rId4"/>
+    <p:sldId id="258" r:id="rId5"/>
+    <p:sldId id="259" r:id="rId6"/>
+    <p:sldId id="260" r:id="rId7"/>
+    <p:sldId id="261" r:id="rId8"/>
+    <p:sldId id="262" r:id="rId9"/>
   </p:sldIdLst>
   <p:sldSz cx="14630400" cy="8229600"/>
   <p:notesSz cx="8229600" cy="14630400"/>
   <p:embeddedFontLst>
     <p:embeddedFont>
       <p:font typeface="HY견고딕" panose="02030600000101010101" pitchFamily="18" charset="-127"/>
-      <p:regular r:id="rId10"/>
+      <p:regular r:id="rId11"/>
     </p:embeddedFont>
     <p:embeddedFont>
       <p:font typeface="Calibri" panose="020F0502020204030204" pitchFamily="34" charset="0"/>
-      <p:regular r:id="rId11"/>
-      <p:bold r:id="rId12"/>
-      <p:italic r:id="rId13"/>
-      <p:boldItalic r:id="rId14"/>
+      <p:regular r:id="rId12"/>
+      <p:bold r:id="rId13"/>
+      <p:italic r:id="rId14"/>
+      <p:boldItalic r:id="rId15"/>
     </p:embeddedFont>
     <p:embeddedFont>
       <p:font typeface="맑은 고딕" panose="020B0503020000020004" pitchFamily="50" charset="-127"/>
-      <p:regular r:id="rId15"/>
-      <p:bold r:id="rId16"/>
+      <p:regular r:id="rId16"/>
+      <p:bold r:id="rId17"/>
     </p:embeddedFont>
   </p:embeddedFontLst>
   <p:defaultTextStyle>
@@ -528,6 +529,11 @@
         </p:txBody>
       </p:sp>
     </p:spTree>
+    <p:extLst>
+      <p:ext uri="{BB962C8B-B14F-4D97-AF65-F5344CB8AC3E}">
+        <p14:creationId xmlns:p14="http://schemas.microsoft.com/office/powerpoint/2010/main" val="20698944"/>
+      </p:ext>
+    </p:extLst>
   </p:cSld>
   <p:clrMapOvr>
     <a:masterClrMapping/>
@@ -874,6 +880,94 @@
                 <a:defRPr lang="ko-KR" altLang="en-US"/>
               </a:pPr>
               <a:t>7</a:t>
+            </a:fld>
+            <a:endParaRPr lang="en-US"/>
+          </a:p>
+        </p:txBody>
+      </p:sp>
+    </p:spTree>
+  </p:cSld>
+  <p:clrMapOvr>
+    <a:masterClrMapping/>
+  </p:clrMapOvr>
+</p:notes>
+</file>
+
+<file path=ppt/notesSlides/notesSlide8.xml><?xml version="1.0" encoding="utf-8"?>
+<p:notes xmlns:a="http://schemas.openxmlformats.org/drawingml/2006/main" xmlns:r="http://schemas.openxmlformats.org/officeDocument/2006/relationships" xmlns:p="http://schemas.openxmlformats.org/presentationml/2006/main">
+  <p:cSld>
+    <p:spTree>
+      <p:nvGrpSpPr>
+        <p:cNvPr id="1" name=""/>
+        <p:cNvGrpSpPr/>
+        <p:nvPr/>
+      </p:nvGrpSpPr>
+      <p:grpSpPr>
+        <a:xfrm>
+          <a:off x="0" y="0"/>
+          <a:ext cx="0" cy="0"/>
+          <a:chOff x="0" y="0"/>
+          <a:chExt cx="0" cy="0"/>
+        </a:xfrm>
+      </p:grpSpPr>
+      <p:sp>
+        <p:nvSpPr>
+          <p:cNvPr id="2" name="Slide Image Placeholder 1"/>
+          <p:cNvSpPr>
+            <a:spLocks noGrp="1" noRot="1" noChangeAspect="1" noTextEdit="1"/>
+          </p:cNvSpPr>
+          <p:nvPr>
+            <p:ph type="sldImg"/>
+          </p:nvPr>
+        </p:nvSpPr>
+        <p:spPr/>
+      </p:sp>
+      <p:sp>
+        <p:nvSpPr>
+          <p:cNvPr id="3" name="Notes Placeholder 2"/>
+          <p:cNvSpPr>
+            <a:spLocks noGrp="1"/>
+          </p:cNvSpPr>
+          <p:nvPr>
+            <p:ph type="body" idx="1"/>
+          </p:nvPr>
+        </p:nvSpPr>
+        <p:spPr/>
+        <p:txBody>
+          <a:bodyPr/>
+          <a:lstStyle/>
+          <a:p>
+            <a:pPr lvl="0">
+              <a:defRPr lang="ko-KR" altLang="en-US"/>
+            </a:pPr>
+            <a:endParaRPr lang="en-US"/>
+          </a:p>
+        </p:txBody>
+      </p:sp>
+      <p:sp>
+        <p:nvSpPr>
+          <p:cNvPr id="4" name="Slide Number Placeholder 3"/>
+          <p:cNvSpPr>
+            <a:spLocks noGrp="1"/>
+          </p:cNvSpPr>
+          <p:nvPr>
+            <p:ph type="sldNum" sz="quarter" idx="10"/>
+          </p:nvPr>
+        </p:nvSpPr>
+        <p:spPr/>
+        <p:txBody>
+          <a:bodyPr/>
+          <a:lstStyle/>
+          <a:p>
+            <a:pPr lvl="0">
+              <a:defRPr lang="ko-KR" altLang="en-US"/>
+            </a:pPr>
+            <a:fld id="{F7021451-1387-4CA6-816F-3879F97B5CBC}" type="slidenum">
+              <a:rPr lang="en-US"/>
+              <a:pPr lvl="0">
+                <a:defRPr lang="ko-KR" altLang="en-US"/>
+              </a:pPr>
+              <a:t>8</a:t>
             </a:fld>
             <a:endParaRPr lang="en-US"/>
           </a:p>
@@ -2955,84 +3049,18 @@
               <a:t> </a:t>
             </a:r>
             <a:r>
-              <a:rPr lang="en-US" sz="1650" dirty="0" err="1">
-                <a:solidFill>
-                  <a:srgbClr val="3D3838"/>
-                </a:solidFill>
-                <a:latin typeface="HY견고딕" panose="02030600000101010101" pitchFamily="18" charset="-127"/>
-                <a:ea typeface="HY견고딕" panose="02030600000101010101" pitchFamily="18" charset="-127"/>
-                <a:cs typeface="Source Sans Pro"/>
-              </a:rPr>
-              <a:t>기록하고</a:t>
-            </a:r>
-            <a:r>
-              <a:rPr lang="en-US" sz="1650" dirty="0">
-                <a:solidFill>
-                  <a:srgbClr val="3D3838"/>
-                </a:solidFill>
-                <a:latin typeface="HY견고딕" panose="02030600000101010101" pitchFamily="18" charset="-127"/>
-                <a:ea typeface="HY견고딕" panose="02030600000101010101" pitchFamily="18" charset="-127"/>
-                <a:cs typeface="Source Sans Pro"/>
-              </a:rPr>
-              <a:t>, </a:t>
-            </a:r>
-            <a:r>
-              <a:rPr lang="en-US" sz="1650" dirty="0" err="1">
-                <a:solidFill>
-                  <a:srgbClr val="3D3838"/>
-                </a:solidFill>
-                <a:latin typeface="HY견고딕" panose="02030600000101010101" pitchFamily="18" charset="-127"/>
-                <a:ea typeface="HY견고딕" panose="02030600000101010101" pitchFamily="18" charset="-127"/>
-                <a:cs typeface="Source Sans Pro"/>
-              </a:rPr>
-              <a:t>카테고리별로</a:t>
-            </a:r>
-            <a:r>
-              <a:rPr lang="en-US" sz="1650" dirty="0">
-                <a:solidFill>
-                  <a:srgbClr val="3D3838"/>
-                </a:solidFill>
-                <a:latin typeface="HY견고딕" panose="02030600000101010101" pitchFamily="18" charset="-127"/>
-                <a:ea typeface="HY견고딕" panose="02030600000101010101" pitchFamily="18" charset="-127"/>
-                <a:cs typeface="Source Sans Pro"/>
-              </a:rPr>
-              <a:t> </a:t>
-            </a:r>
-            <a:r>
-              <a:rPr lang="en-US" sz="1650" dirty="0" err="1">
-                <a:solidFill>
-                  <a:srgbClr val="3D3838"/>
-                </a:solidFill>
-                <a:latin typeface="HY견고딕" panose="02030600000101010101" pitchFamily="18" charset="-127"/>
-                <a:ea typeface="HY견고딕" panose="02030600000101010101" pitchFamily="18" charset="-127"/>
-                <a:cs typeface="Source Sans Pro"/>
-              </a:rPr>
-              <a:t>분류할</a:t>
-            </a:r>
-            <a:r>
-              <a:rPr lang="en-US" sz="1650" dirty="0">
-                <a:solidFill>
-                  <a:srgbClr val="3D3838"/>
-                </a:solidFill>
-                <a:latin typeface="HY견고딕" panose="02030600000101010101" pitchFamily="18" charset="-127"/>
-                <a:ea typeface="HY견고딕" panose="02030600000101010101" pitchFamily="18" charset="-127"/>
-                <a:cs typeface="Source Sans Pro"/>
-              </a:rPr>
-              <a:t> 수 </a:t>
-            </a:r>
-            <a:r>
-              <a:rPr lang="en-US" sz="1650" dirty="0" err="1">
-                <a:solidFill>
-                  <a:srgbClr val="3D3838"/>
-                </a:solidFill>
-                <a:latin typeface="HY견고딕" panose="02030600000101010101" pitchFamily="18" charset="-127"/>
-                <a:ea typeface="HY견고딕" panose="02030600000101010101" pitchFamily="18" charset="-127"/>
-                <a:cs typeface="Source Sans Pro"/>
-              </a:rPr>
-              <a:t>있습니다</a:t>
-            </a:r>
-            <a:r>
-              <a:rPr lang="en-US" sz="1650" dirty="0">
+              <a:rPr lang="ko-KR" altLang="en-US" sz="1650" dirty="0" smtClean="0">
+                <a:solidFill>
+                  <a:srgbClr val="3D3838"/>
+                </a:solidFill>
+                <a:latin typeface="HY견고딕" panose="02030600000101010101" pitchFamily="18" charset="-127"/>
+                <a:ea typeface="HY견고딕" panose="02030600000101010101" pitchFamily="18" charset="-127"/>
+                <a:cs typeface="Source Sans Pro"/>
+              </a:rPr>
+              <a:t>기록 및 확인할 수 있습니다</a:t>
+            </a:r>
+            <a:r>
+              <a:rPr lang="en-US" sz="1650" dirty="0" smtClean="0">
                 <a:solidFill>
                   <a:srgbClr val="3D3838"/>
                 </a:solidFill>
@@ -3259,95 +3287,29 @@
               <a:t> </a:t>
             </a:r>
             <a:r>
-              <a:rPr lang="en-US" sz="1650" dirty="0" err="1">
-                <a:solidFill>
-                  <a:srgbClr val="3D3838"/>
-                </a:solidFill>
-                <a:latin typeface="HY견고딕" panose="02030600000101010101" pitchFamily="18" charset="-127"/>
-                <a:ea typeface="HY견고딕" panose="02030600000101010101" pitchFamily="18" charset="-127"/>
-                <a:cs typeface="Source Sans Pro"/>
-              </a:rPr>
-              <a:t>내역을</a:t>
-            </a:r>
-            <a:r>
-              <a:rPr lang="en-US" sz="1650" dirty="0">
-                <a:solidFill>
-                  <a:srgbClr val="3D3838"/>
-                </a:solidFill>
-                <a:latin typeface="HY견고딕" panose="02030600000101010101" pitchFamily="18" charset="-127"/>
-                <a:ea typeface="HY견고딕" panose="02030600000101010101" pitchFamily="18" charset="-127"/>
-                <a:cs typeface="Source Sans Pro"/>
-              </a:rPr>
-              <a:t> </a:t>
-            </a:r>
-            <a:r>
-              <a:rPr lang="en-US" sz="1650" dirty="0" err="1">
-                <a:solidFill>
-                  <a:srgbClr val="3D3838"/>
-                </a:solidFill>
-                <a:latin typeface="HY견고딕" panose="02030600000101010101" pitchFamily="18" charset="-127"/>
-                <a:ea typeface="HY견고딕" panose="02030600000101010101" pitchFamily="18" charset="-127"/>
-                <a:cs typeface="Source Sans Pro"/>
-              </a:rPr>
-              <a:t>바탕으로</a:t>
-            </a:r>
-            <a:r>
-              <a:rPr lang="en-US" sz="1650" dirty="0">
-                <a:solidFill>
-                  <a:srgbClr val="3D3838"/>
-                </a:solidFill>
-                <a:latin typeface="HY견고딕" panose="02030600000101010101" pitchFamily="18" charset="-127"/>
-                <a:ea typeface="HY견고딕" panose="02030600000101010101" pitchFamily="18" charset="-127"/>
-                <a:cs typeface="Source Sans Pro"/>
-              </a:rPr>
-              <a:t> </a:t>
-            </a:r>
-            <a:r>
-              <a:rPr lang="en-US" sz="1650" dirty="0" err="1">
-                <a:solidFill>
-                  <a:srgbClr val="3D3838"/>
-                </a:solidFill>
-                <a:latin typeface="HY견고딕" panose="02030600000101010101" pitchFamily="18" charset="-127"/>
-                <a:ea typeface="HY견고딕" panose="02030600000101010101" pitchFamily="18" charset="-127"/>
-                <a:cs typeface="Source Sans Pro"/>
-              </a:rPr>
-              <a:t>월별</a:t>
-            </a:r>
-            <a:r>
-              <a:rPr lang="en-US" sz="1650" dirty="0">
-                <a:solidFill>
-                  <a:srgbClr val="3D3838"/>
-                </a:solidFill>
-                <a:latin typeface="HY견고딕" panose="02030600000101010101" pitchFamily="18" charset="-127"/>
-                <a:ea typeface="HY견고딕" panose="02030600000101010101" pitchFamily="18" charset="-127"/>
-                <a:cs typeface="Source Sans Pro"/>
-              </a:rPr>
-              <a:t>/</a:t>
-            </a:r>
-            <a:r>
-              <a:rPr lang="en-US" sz="1650" dirty="0" err="1">
-                <a:solidFill>
-                  <a:srgbClr val="3D3838"/>
-                </a:solidFill>
-                <a:latin typeface="HY견고딕" panose="02030600000101010101" pitchFamily="18" charset="-127"/>
-                <a:ea typeface="HY견고딕" panose="02030600000101010101" pitchFamily="18" charset="-127"/>
-                <a:cs typeface="Source Sans Pro"/>
-              </a:rPr>
-              <a:t>주별</a:t>
-            </a:r>
-            <a:r>
-              <a:rPr lang="en-US" sz="1650" dirty="0">
-                <a:solidFill>
-                  <a:srgbClr val="3D3838"/>
-                </a:solidFill>
-                <a:latin typeface="HY견고딕" panose="02030600000101010101" pitchFamily="18" charset="-127"/>
-                <a:ea typeface="HY견고딕" panose="02030600000101010101" pitchFamily="18" charset="-127"/>
-                <a:cs typeface="Source Sans Pro"/>
-              </a:rPr>
-              <a:t> </a:t>
-            </a:r>
-            <a:r>
-              <a:rPr lang="en-US" sz="1650" dirty="0" err="1">
+              <a:rPr lang="en-US" sz="1650" dirty="0" err="1" smtClean="0">
+                <a:solidFill>
+                  <a:srgbClr val="3D3838"/>
+                </a:solidFill>
+                <a:latin typeface="HY견고딕" panose="02030600000101010101" pitchFamily="18" charset="-127"/>
+                <a:ea typeface="HY견고딕" panose="02030600000101010101" pitchFamily="18" charset="-127"/>
+                <a:cs typeface="Source Sans Pro"/>
+              </a:rPr>
+              <a:t>내역</a:t>
+            </a:r>
+            <a:r>
+              <a:rPr lang="ko-KR" altLang="en-US" sz="1650" dirty="0" smtClean="0">
+                <a:solidFill>
+                  <a:srgbClr val="3D3838"/>
+                </a:solidFill>
+                <a:latin typeface="HY견고딕" panose="02030600000101010101" pitchFamily="18" charset="-127"/>
+                <a:ea typeface="HY견고딕" panose="02030600000101010101" pitchFamily="18" charset="-127"/>
+                <a:cs typeface="Source Sans Pro"/>
+              </a:rPr>
+              <a:t>을 통해 </a:t>
+            </a:r>
+            <a:r>
+              <a:rPr lang="en-US" sz="1650" dirty="0" err="1" smtClean="0">
                 <a:solidFill>
                   <a:srgbClr val="3D3838"/>
                 </a:solidFill>
@@ -3358,7 +3320,7 @@
               <a:t>금액</a:t>
             </a:r>
             <a:r>
-              <a:rPr lang="en-US" sz="1650" dirty="0">
+              <a:rPr lang="en-US" sz="1650" dirty="0" smtClean="0">
                 <a:solidFill>
                   <a:srgbClr val="3D3838"/>
                 </a:solidFill>
@@ -3773,7 +3735,7 @@
 
 <file path=ppt/slides/slide3.xml><?xml version="1.0" encoding="utf-8"?>
 <p:sld xmlns:a="http://schemas.openxmlformats.org/drawingml/2006/main" xmlns:r="http://schemas.openxmlformats.org/officeDocument/2006/relationships" xmlns:p="http://schemas.openxmlformats.org/presentationml/2006/main">
-  <p:cSld name="Slide 3">
+  <p:cSld>
     <p:spTree>
       <p:nvGrpSpPr>
         <p:cNvPr id="1" name=""/>
@@ -3797,7 +3759,7 @@
         <p:spPr>
           <a:xfrm>
             <a:off x="944545" y="582804"/>
-            <a:ext cx="5090874" cy="636389"/>
+            <a:ext cx="4868823" cy="608528"/>
           </a:xfrm>
           <a:prstGeom prst="rect">
             <a:avLst/>
@@ -3817,28 +3779,581 @@
               <a:defRPr lang="ko-KR" altLang="en-US"/>
             </a:pPr>
             <a:r>
-              <a:rPr lang="ko-KR" altLang="en-US" sz="4000" b="1" dirty="0">
+              <a:rPr lang="ko-KR" altLang="en-US" sz="4000" b="1" dirty="0" smtClean="0">
                 <a:solidFill>
                   <a:srgbClr val="000000"/>
                 </a:solidFill>
                 <a:latin typeface="HY견고딕" panose="02030600000101010101" pitchFamily="18" charset="-127"/>
                 <a:ea typeface="HY견고딕" panose="02030600000101010101" pitchFamily="18" charset="-127"/>
+              </a:rPr>
+              <a:t>요구사항 분석</a:t>
+            </a:r>
+            <a:endParaRPr lang="en-US" sz="3800" dirty="0">
+              <a:latin typeface="HY견고딕" panose="02030600000101010101" pitchFamily="18" charset="-127"/>
+              <a:ea typeface="HY견고딕" panose="02030600000101010101" pitchFamily="18" charset="-127"/>
+            </a:endParaRPr>
+          </a:p>
+        </p:txBody>
+      </p:sp>
+      <p:sp>
+        <p:nvSpPr>
+          <p:cNvPr id="4" name="Shape 1"/>
+          <p:cNvSpPr/>
+          <p:nvPr/>
+        </p:nvSpPr>
+        <p:spPr>
+          <a:xfrm>
+            <a:off x="944545" y="1916303"/>
+            <a:ext cx="481965" cy="481965"/>
+          </a:xfrm>
+          <a:prstGeom prst="roundRect">
+            <a:avLst>
+              <a:gd name="adj" fmla="val 6667"/>
+            </a:avLst>
+          </a:prstGeom>
+          <a:solidFill>
+            <a:srgbClr val="F2EEEE"/>
+          </a:solidFill>
+          <a:ln/>
+        </p:spPr>
+        <p:txBody>
+          <a:bodyPr anchor="ctr"/>
+          <a:lstStyle/>
+          <a:p>
+            <a:pPr algn="ctr">
+              <a:defRPr lang="ko-KR" altLang="en-US"/>
+            </a:pPr>
+            <a:endParaRPr lang="ko-KR" altLang="en-US"/>
+          </a:p>
+        </p:txBody>
+      </p:sp>
+      <p:pic>
+        <p:nvPicPr>
+          <p:cNvPr id="5" name="Image 1" descr="preencoded.png"/>
+          <p:cNvPicPr>
+            <a:picLocks noChangeAspect="1"/>
+          </p:cNvPicPr>
+          <p:nvPr/>
+        </p:nvPicPr>
+        <p:blipFill rotWithShape="1">
+          <a:blip r:embed="rId3"/>
+          <a:stretch>
+            <a:fillRect/>
+          </a:stretch>
+        </p:blipFill>
+        <p:spPr>
+          <a:xfrm>
+            <a:off x="1029972" y="1965238"/>
+            <a:ext cx="292060" cy="365046"/>
+          </a:xfrm>
+          <a:prstGeom prst="rect">
+            <a:avLst/>
+          </a:prstGeom>
+        </p:spPr>
+      </p:pic>
+      <p:sp>
+        <p:nvSpPr>
+          <p:cNvPr id="6" name="Text 2"/>
+          <p:cNvSpPr/>
+          <p:nvPr/>
+        </p:nvSpPr>
+        <p:spPr>
+          <a:xfrm>
+            <a:off x="1640703" y="1916303"/>
+            <a:ext cx="2434352" cy="304324"/>
+          </a:xfrm>
+          <a:prstGeom prst="rect">
+            <a:avLst/>
+          </a:prstGeom>
+          <a:noFill/>
+          <a:ln/>
+        </p:spPr>
+        <p:txBody>
+          <a:bodyPr wrap="none" lIns="0" tIns="0" rIns="0" bIns="0" anchor="t"/>
+          <a:lstStyle/>
+          <a:p>
+            <a:pPr marL="0" indent="0" algn="l">
+              <a:lnSpc>
+                <a:spcPct val="100000"/>
+              </a:lnSpc>
+              <a:buNone/>
+              <a:defRPr lang="ko-KR" altLang="en-US"/>
+            </a:pPr>
+            <a:r>
+              <a:rPr lang="en-US" sz="1900" b="1" dirty="0" err="1">
+                <a:latin typeface="HY견고딕" panose="02030600000101010101" pitchFamily="18" charset="-127"/>
+                <a:ea typeface="HY견고딕" panose="02030600000101010101" pitchFamily="18" charset="-127"/>
                 <a:cs typeface="Montserrat Bold"/>
               </a:rPr>
-              <a:t>개발 일정</a:t>
-            </a:r>
-          </a:p>
-        </p:txBody>
-      </p:sp>
-      <p:sp>
-        <p:nvSpPr>
-          <p:cNvPr id="26" name="직사각형 25"/>
-          <p:cNvSpPr/>
-          <p:nvPr/>
-        </p:nvSpPr>
-        <p:spPr>
-          <a:xfrm>
-            <a:off x="12713786" y="7639345"/>
+              <a:t>일정</a:t>
+            </a:r>
+            <a:r>
+              <a:rPr lang="en-US" sz="1900" b="1" dirty="0">
+                <a:latin typeface="HY견고딕" panose="02030600000101010101" pitchFamily="18" charset="-127"/>
+                <a:ea typeface="HY견고딕" panose="02030600000101010101" pitchFamily="18" charset="-127"/>
+                <a:cs typeface="Montserrat Bold"/>
+              </a:rPr>
+              <a:t> </a:t>
+            </a:r>
+            <a:r>
+              <a:rPr lang="en-US" sz="1900" b="1" dirty="0" err="1">
+                <a:latin typeface="HY견고딕" panose="02030600000101010101" pitchFamily="18" charset="-127"/>
+                <a:ea typeface="HY견고딕" panose="02030600000101010101" pitchFamily="18" charset="-127"/>
+                <a:cs typeface="Montserrat Bold"/>
+              </a:rPr>
+              <a:t>메모</a:t>
+            </a:r>
+            <a:r>
+              <a:rPr lang="en-US" sz="1900" b="1" dirty="0">
+                <a:latin typeface="HY견고딕" panose="02030600000101010101" pitchFamily="18" charset="-127"/>
+                <a:ea typeface="HY견고딕" panose="02030600000101010101" pitchFamily="18" charset="-127"/>
+                <a:cs typeface="Montserrat Bold"/>
+              </a:rPr>
+              <a:t> </a:t>
+            </a:r>
+            <a:r>
+              <a:rPr lang="en-US" sz="1900" b="1" dirty="0" err="1">
+                <a:latin typeface="HY견고딕" panose="02030600000101010101" pitchFamily="18" charset="-127"/>
+                <a:ea typeface="HY견고딕" panose="02030600000101010101" pitchFamily="18" charset="-127"/>
+                <a:cs typeface="Montserrat Bold"/>
+              </a:rPr>
+              <a:t>작성</a:t>
+            </a:r>
+            <a:endParaRPr lang="en-US" sz="1900" dirty="0">
+              <a:latin typeface="HY견고딕" panose="02030600000101010101" pitchFamily="18" charset="-127"/>
+              <a:ea typeface="HY견고딕" panose="02030600000101010101" pitchFamily="18" charset="-127"/>
+            </a:endParaRPr>
+          </a:p>
+        </p:txBody>
+      </p:sp>
+      <p:sp>
+        <p:nvSpPr>
+          <p:cNvPr id="7" name="Text 3"/>
+          <p:cNvSpPr/>
+          <p:nvPr/>
+        </p:nvSpPr>
+        <p:spPr>
+          <a:xfrm>
+            <a:off x="1640703" y="2398268"/>
+            <a:ext cx="6948368" cy="321231"/>
+          </a:xfrm>
+          <a:prstGeom prst="rect">
+            <a:avLst/>
+          </a:prstGeom>
+          <a:noFill/>
+          <a:ln/>
+        </p:spPr>
+        <p:txBody>
+          <a:bodyPr wrap="none" lIns="0" tIns="0" rIns="0" bIns="0" anchor="t"/>
+          <a:lstStyle/>
+          <a:p>
+            <a:pPr marL="0" indent="0" algn="l">
+              <a:lnSpc>
+                <a:spcPct val="100000"/>
+              </a:lnSpc>
+              <a:buNone/>
+              <a:defRPr lang="ko-KR" altLang="en-US"/>
+            </a:pPr>
+            <a:r>
+              <a:rPr lang="ko-KR" altLang="en-US" sz="1650" dirty="0" smtClean="0">
+                <a:latin typeface="HY견고딕" panose="02030600000101010101" pitchFamily="18" charset="-127"/>
+                <a:ea typeface="HY견고딕" panose="02030600000101010101" pitchFamily="18" charset="-127"/>
+              </a:rPr>
+              <a:t>일정 기능과 지출 기록을 연동하여 한 번에 보고 싶다</a:t>
+            </a:r>
+            <a:r>
+              <a:rPr lang="en-US" altLang="ko-KR" sz="1650" dirty="0" smtClean="0">
+                <a:latin typeface="HY견고딕" panose="02030600000101010101" pitchFamily="18" charset="-127"/>
+                <a:ea typeface="HY견고딕" panose="02030600000101010101" pitchFamily="18" charset="-127"/>
+              </a:rPr>
+              <a:t>.</a:t>
+            </a:r>
+            <a:endParaRPr lang="en-US" sz="1650" dirty="0">
+              <a:latin typeface="HY견고딕" panose="02030600000101010101" pitchFamily="18" charset="-127"/>
+              <a:ea typeface="HY견고딕" panose="02030600000101010101" pitchFamily="18" charset="-127"/>
+            </a:endParaRPr>
+          </a:p>
+        </p:txBody>
+      </p:sp>
+      <p:sp>
+        <p:nvSpPr>
+          <p:cNvPr id="12" name="Shape 7"/>
+          <p:cNvSpPr/>
+          <p:nvPr/>
+        </p:nvSpPr>
+        <p:spPr>
+          <a:xfrm>
+            <a:off x="944545" y="3285879"/>
+            <a:ext cx="481965" cy="481965"/>
+          </a:xfrm>
+          <a:prstGeom prst="roundRect">
+            <a:avLst>
+              <a:gd name="adj" fmla="val 6667"/>
+            </a:avLst>
+          </a:prstGeom>
+          <a:solidFill>
+            <a:srgbClr val="F2EEEE"/>
+          </a:solidFill>
+          <a:ln/>
+        </p:spPr>
+        <p:txBody>
+          <a:bodyPr anchor="ctr"/>
+          <a:lstStyle/>
+          <a:p>
+            <a:pPr algn="ctr">
+              <a:defRPr lang="ko-KR" altLang="en-US"/>
+            </a:pPr>
+            <a:endParaRPr lang="ko-KR" altLang="en-US"/>
+          </a:p>
+        </p:txBody>
+      </p:sp>
+      <p:pic>
+        <p:nvPicPr>
+          <p:cNvPr id="13" name="Image 3" descr="preencoded.png"/>
+          <p:cNvPicPr>
+            <a:picLocks noChangeAspect="1"/>
+          </p:cNvPicPr>
+          <p:nvPr/>
+        </p:nvPicPr>
+        <p:blipFill rotWithShape="1">
+          <a:blip r:embed="rId4"/>
+          <a:stretch>
+            <a:fillRect/>
+          </a:stretch>
+        </p:blipFill>
+        <p:spPr>
+          <a:xfrm>
+            <a:off x="1029972" y="3334814"/>
+            <a:ext cx="292060" cy="365046"/>
+          </a:xfrm>
+          <a:prstGeom prst="rect">
+            <a:avLst/>
+          </a:prstGeom>
+        </p:spPr>
+      </p:pic>
+      <p:sp>
+        <p:nvSpPr>
+          <p:cNvPr id="14" name="Text 8"/>
+          <p:cNvSpPr/>
+          <p:nvPr/>
+        </p:nvSpPr>
+        <p:spPr>
+          <a:xfrm>
+            <a:off x="1640703" y="3280955"/>
+            <a:ext cx="2434352" cy="304324"/>
+          </a:xfrm>
+          <a:prstGeom prst="rect">
+            <a:avLst/>
+          </a:prstGeom>
+          <a:noFill/>
+          <a:ln/>
+        </p:spPr>
+        <p:txBody>
+          <a:bodyPr wrap="none" lIns="0" tIns="0" rIns="0" bIns="0" anchor="t"/>
+          <a:lstStyle/>
+          <a:p>
+            <a:pPr marL="0" indent="0" algn="l">
+              <a:lnSpc>
+                <a:spcPct val="100000"/>
+              </a:lnSpc>
+              <a:buNone/>
+              <a:defRPr lang="ko-KR" altLang="en-US"/>
+            </a:pPr>
+            <a:r>
+              <a:rPr lang="en-US" sz="1900" b="1" dirty="0" err="1">
+                <a:latin typeface="HY견고딕" panose="02030600000101010101" pitchFamily="18" charset="-127"/>
+                <a:ea typeface="HY견고딕" panose="02030600000101010101" pitchFamily="18" charset="-127"/>
+                <a:cs typeface="Montserrat Bold"/>
+              </a:rPr>
+              <a:t>지출</a:t>
+            </a:r>
+            <a:r>
+              <a:rPr lang="en-US" sz="1900" b="1" dirty="0">
+                <a:latin typeface="HY견고딕" panose="02030600000101010101" pitchFamily="18" charset="-127"/>
+                <a:ea typeface="HY견고딕" panose="02030600000101010101" pitchFamily="18" charset="-127"/>
+                <a:cs typeface="Montserrat Bold"/>
+              </a:rPr>
+              <a:t> </a:t>
+            </a:r>
+            <a:r>
+              <a:rPr lang="en-US" sz="1900" b="1" dirty="0" err="1">
+                <a:latin typeface="HY견고딕" panose="02030600000101010101" pitchFamily="18" charset="-127"/>
+                <a:ea typeface="HY견고딕" panose="02030600000101010101" pitchFamily="18" charset="-127"/>
+                <a:cs typeface="Montserrat Bold"/>
+              </a:rPr>
+              <a:t>기록</a:t>
+            </a:r>
+            <a:endParaRPr lang="en-US" sz="1900" dirty="0">
+              <a:latin typeface="HY견고딕" panose="02030600000101010101" pitchFamily="18" charset="-127"/>
+              <a:ea typeface="HY견고딕" panose="02030600000101010101" pitchFamily="18" charset="-127"/>
+            </a:endParaRPr>
+          </a:p>
+        </p:txBody>
+      </p:sp>
+      <p:sp>
+        <p:nvSpPr>
+          <p:cNvPr id="15" name="Text 9"/>
+          <p:cNvSpPr/>
+          <p:nvPr/>
+        </p:nvSpPr>
+        <p:spPr>
+          <a:xfrm>
+            <a:off x="1640703" y="3771334"/>
+            <a:ext cx="6948368" cy="321231"/>
+          </a:xfrm>
+          <a:prstGeom prst="rect">
+            <a:avLst/>
+          </a:prstGeom>
+          <a:noFill/>
+          <a:ln/>
+        </p:spPr>
+        <p:txBody>
+          <a:bodyPr wrap="none" lIns="0" tIns="0" rIns="0" bIns="0" anchor="t"/>
+          <a:lstStyle/>
+          <a:p>
+            <a:pPr marL="0" indent="0" algn="l">
+              <a:lnSpc>
+                <a:spcPct val="100000"/>
+              </a:lnSpc>
+              <a:buNone/>
+              <a:defRPr lang="ko-KR" altLang="en-US"/>
+            </a:pPr>
+            <a:r>
+              <a:rPr lang="ko-KR" altLang="en-US" sz="1650" dirty="0" smtClean="0">
+                <a:latin typeface="HY견고딕" panose="02030600000101010101" pitchFamily="18" charset="-127"/>
+                <a:ea typeface="HY견고딕" panose="02030600000101010101" pitchFamily="18" charset="-127"/>
+              </a:rPr>
+              <a:t>주</a:t>
+            </a:r>
+            <a:r>
+              <a:rPr lang="en-US" altLang="ko-KR" sz="1650" dirty="0" smtClean="0">
+                <a:latin typeface="HY견고딕" panose="02030600000101010101" pitchFamily="18" charset="-127"/>
+                <a:ea typeface="HY견고딕" panose="02030600000101010101" pitchFamily="18" charset="-127"/>
+              </a:rPr>
+              <a:t>, </a:t>
+            </a:r>
+            <a:r>
+              <a:rPr lang="ko-KR" altLang="en-US" sz="1650" dirty="0" smtClean="0">
+                <a:latin typeface="HY견고딕" panose="02030600000101010101" pitchFamily="18" charset="-127"/>
+                <a:ea typeface="HY견고딕" panose="02030600000101010101" pitchFamily="18" charset="-127"/>
+              </a:rPr>
+              <a:t>월간 금액의 목표를 설정해 두고 목표 금액보다 초과될 시 알려주면 좋겠다</a:t>
+            </a:r>
+            <a:r>
+              <a:rPr lang="en-US" altLang="ko-KR" sz="1650" dirty="0" smtClean="0">
+                <a:latin typeface="HY견고딕" panose="02030600000101010101" pitchFamily="18" charset="-127"/>
+                <a:ea typeface="HY견고딕" panose="02030600000101010101" pitchFamily="18" charset="-127"/>
+              </a:rPr>
+              <a:t>.</a:t>
+            </a:r>
+            <a:endParaRPr lang="en-US" sz="1650" dirty="0">
+              <a:latin typeface="HY견고딕" panose="02030600000101010101" pitchFamily="18" charset="-127"/>
+              <a:ea typeface="HY견고딕" panose="02030600000101010101" pitchFamily="18" charset="-127"/>
+            </a:endParaRPr>
+          </a:p>
+        </p:txBody>
+      </p:sp>
+      <p:sp>
+        <p:nvSpPr>
+          <p:cNvPr id="16" name="Shape 10"/>
+          <p:cNvSpPr/>
+          <p:nvPr/>
+        </p:nvSpPr>
+        <p:spPr>
+          <a:xfrm>
+            <a:off x="944545" y="4655454"/>
+            <a:ext cx="481965" cy="481965"/>
+          </a:xfrm>
+          <a:prstGeom prst="roundRect">
+            <a:avLst>
+              <a:gd name="adj" fmla="val 6667"/>
+            </a:avLst>
+          </a:prstGeom>
+          <a:solidFill>
+            <a:srgbClr val="F2EEEE"/>
+          </a:solidFill>
+          <a:ln/>
+        </p:spPr>
+        <p:txBody>
+          <a:bodyPr anchor="ctr"/>
+          <a:lstStyle/>
+          <a:p>
+            <a:pPr algn="ctr">
+              <a:defRPr lang="ko-KR" altLang="en-US"/>
+            </a:pPr>
+            <a:endParaRPr lang="ko-KR" altLang="en-US"/>
+          </a:p>
+        </p:txBody>
+      </p:sp>
+      <p:pic>
+        <p:nvPicPr>
+          <p:cNvPr id="17" name="Image 4" descr="preencoded.png"/>
+          <p:cNvPicPr>
+            <a:picLocks noChangeAspect="1"/>
+          </p:cNvPicPr>
+          <p:nvPr/>
+        </p:nvPicPr>
+        <p:blipFill rotWithShape="1">
+          <a:blip r:embed="rId5"/>
+          <a:stretch>
+            <a:fillRect/>
+          </a:stretch>
+        </p:blipFill>
+        <p:spPr>
+          <a:xfrm>
+            <a:off x="1029972" y="4704389"/>
+            <a:ext cx="292060" cy="365046"/>
+          </a:xfrm>
+          <a:prstGeom prst="rect">
+            <a:avLst/>
+          </a:prstGeom>
+        </p:spPr>
+      </p:pic>
+      <p:sp>
+        <p:nvSpPr>
+          <p:cNvPr id="18" name="Text 11"/>
+          <p:cNvSpPr/>
+          <p:nvPr/>
+        </p:nvSpPr>
+        <p:spPr>
+          <a:xfrm>
+            <a:off x="1640703" y="4650531"/>
+            <a:ext cx="2434352" cy="304324"/>
+          </a:xfrm>
+          <a:prstGeom prst="rect">
+            <a:avLst/>
+          </a:prstGeom>
+          <a:noFill/>
+          <a:ln/>
+        </p:spPr>
+        <p:txBody>
+          <a:bodyPr wrap="none" lIns="0" tIns="0" rIns="0" bIns="0" anchor="t"/>
+          <a:lstStyle/>
+          <a:p>
+            <a:pPr marL="0" indent="0" algn="l">
+              <a:lnSpc>
+                <a:spcPct val="100000"/>
+              </a:lnSpc>
+              <a:buNone/>
+              <a:defRPr lang="ko-KR" altLang="en-US"/>
+            </a:pPr>
+            <a:r>
+              <a:rPr lang="en-US" sz="1900" b="1" dirty="0" err="1">
+                <a:latin typeface="HY견고딕" panose="02030600000101010101" pitchFamily="18" charset="-127"/>
+                <a:ea typeface="HY견고딕" panose="02030600000101010101" pitchFamily="18" charset="-127"/>
+                <a:cs typeface="Montserrat Bold"/>
+              </a:rPr>
+              <a:t>금액</a:t>
+            </a:r>
+            <a:r>
+              <a:rPr lang="en-US" sz="1900" b="1" dirty="0">
+                <a:latin typeface="HY견고딕" panose="02030600000101010101" pitchFamily="18" charset="-127"/>
+                <a:ea typeface="HY견고딕" panose="02030600000101010101" pitchFamily="18" charset="-127"/>
+                <a:cs typeface="Montserrat Bold"/>
+              </a:rPr>
+              <a:t> </a:t>
+            </a:r>
+            <a:r>
+              <a:rPr lang="en-US" sz="1900" b="1" dirty="0" err="1">
+                <a:latin typeface="HY견고딕" panose="02030600000101010101" pitchFamily="18" charset="-127"/>
+                <a:ea typeface="HY견고딕" panose="02030600000101010101" pitchFamily="18" charset="-127"/>
+                <a:cs typeface="Montserrat Bold"/>
+              </a:rPr>
+              <a:t>통계</a:t>
+            </a:r>
+            <a:endParaRPr lang="en-US" sz="1900" dirty="0">
+              <a:latin typeface="HY견고딕" panose="02030600000101010101" pitchFamily="18" charset="-127"/>
+              <a:ea typeface="HY견고딕" panose="02030600000101010101" pitchFamily="18" charset="-127"/>
+            </a:endParaRPr>
+          </a:p>
+        </p:txBody>
+      </p:sp>
+      <p:sp>
+        <p:nvSpPr>
+          <p:cNvPr id="19" name="Text 12"/>
+          <p:cNvSpPr/>
+          <p:nvPr/>
+        </p:nvSpPr>
+        <p:spPr>
+          <a:xfrm>
+            <a:off x="1640703" y="5133442"/>
+            <a:ext cx="9875563" cy="642461"/>
+          </a:xfrm>
+          <a:prstGeom prst="rect">
+            <a:avLst/>
+          </a:prstGeom>
+          <a:noFill/>
+          <a:ln/>
+        </p:spPr>
+        <p:txBody>
+          <a:bodyPr wrap="square" lIns="0" tIns="0" rIns="0" bIns="0" anchor="t"/>
+          <a:lstStyle/>
+          <a:p>
+            <a:pPr marL="0" indent="0" algn="l">
+              <a:lnSpc>
+                <a:spcPct val="100000"/>
+              </a:lnSpc>
+              <a:buNone/>
+              <a:defRPr lang="ko-KR" altLang="en-US"/>
+            </a:pPr>
+            <a:r>
+              <a:rPr lang="ko-KR" altLang="en-US" sz="1650" dirty="0" smtClean="0">
+                <a:latin typeface="HY견고딕" panose="02030600000101010101" pitchFamily="18" charset="-127"/>
+                <a:ea typeface="HY견고딕" panose="02030600000101010101" pitchFamily="18" charset="-127"/>
+              </a:rPr>
+              <a:t>각 </a:t>
+            </a:r>
+            <a:r>
+              <a:rPr lang="ko-KR" altLang="en-US" sz="1650" dirty="0" err="1" smtClean="0">
+                <a:latin typeface="HY견고딕" panose="02030600000101010101" pitchFamily="18" charset="-127"/>
+                <a:ea typeface="HY견고딕" panose="02030600000101010101" pitchFamily="18" charset="-127"/>
+              </a:rPr>
+              <a:t>통계별로</a:t>
+            </a:r>
+            <a:r>
+              <a:rPr lang="ko-KR" altLang="en-US" sz="1650" dirty="0" smtClean="0">
+                <a:latin typeface="HY견고딕" panose="02030600000101010101" pitchFamily="18" charset="-127"/>
+                <a:ea typeface="HY견고딕" panose="02030600000101010101" pitchFamily="18" charset="-127"/>
+              </a:rPr>
+              <a:t> 가장 많이 지출이 </a:t>
+            </a:r>
+            <a:r>
+              <a:rPr lang="ko-KR" altLang="en-US" sz="1650" dirty="0" err="1" smtClean="0">
+                <a:latin typeface="HY견고딕" panose="02030600000101010101" pitchFamily="18" charset="-127"/>
+                <a:ea typeface="HY견고딕" panose="02030600000101010101" pitchFamily="18" charset="-127"/>
+              </a:rPr>
+              <a:t>나간것을</a:t>
+            </a:r>
+            <a:r>
+              <a:rPr lang="ko-KR" altLang="en-US" sz="1650" dirty="0" smtClean="0">
+                <a:latin typeface="HY견고딕" panose="02030600000101010101" pitchFamily="18" charset="-127"/>
+                <a:ea typeface="HY견고딕" panose="02030600000101010101" pitchFamily="18" charset="-127"/>
+              </a:rPr>
+              <a:t> 볼 수 있게 정렬 기능이 있으면 좋겠다</a:t>
+            </a:r>
+            <a:r>
+              <a:rPr lang="en-US" altLang="ko-KR" sz="1650" dirty="0" smtClean="0">
+                <a:latin typeface="HY견고딕" panose="02030600000101010101" pitchFamily="18" charset="-127"/>
+                <a:ea typeface="HY견고딕" panose="02030600000101010101" pitchFamily="18" charset="-127"/>
+              </a:rPr>
+              <a:t>.</a:t>
+            </a:r>
+            <a:endParaRPr lang="en-US" sz="1650" dirty="0">
+              <a:latin typeface="HY견고딕" panose="02030600000101010101" pitchFamily="18" charset="-127"/>
+              <a:ea typeface="HY견고딕" panose="02030600000101010101" pitchFamily="18" charset="-127"/>
+            </a:endParaRPr>
+          </a:p>
+        </p:txBody>
+      </p:sp>
+      <p:sp>
+        <p:nvSpPr>
+          <p:cNvPr id="21" name="직사각형 20"/>
+          <p:cNvSpPr/>
+          <p:nvPr/>
+        </p:nvSpPr>
+        <p:spPr>
+          <a:xfrm>
+            <a:off x="12713785" y="7639344"/>
             <a:ext cx="1916614" cy="590255"/>
           </a:xfrm>
           <a:prstGeom prst="rect">
@@ -3878,6 +4393,305 @@
           </a:p>
         </p:txBody>
       </p:sp>
+      <p:sp>
+        <p:nvSpPr>
+          <p:cNvPr id="26" name="Shape 10"/>
+          <p:cNvSpPr/>
+          <p:nvPr/>
+        </p:nvSpPr>
+        <p:spPr>
+          <a:xfrm>
+            <a:off x="944545" y="5954491"/>
+            <a:ext cx="481965" cy="481965"/>
+          </a:xfrm>
+          <a:prstGeom prst="roundRect">
+            <a:avLst>
+              <a:gd name="adj" fmla="val 6667"/>
+            </a:avLst>
+          </a:prstGeom>
+          <a:solidFill>
+            <a:srgbClr val="F2EEEE"/>
+          </a:solidFill>
+          <a:ln/>
+        </p:spPr>
+        <p:txBody>
+          <a:bodyPr anchor="ctr"/>
+          <a:lstStyle/>
+          <a:p>
+            <a:pPr algn="ctr">
+              <a:defRPr lang="ko-KR" altLang="en-US"/>
+            </a:pPr>
+            <a:endParaRPr lang="ko-KR" altLang="en-US"/>
+          </a:p>
+        </p:txBody>
+      </p:sp>
+      <p:sp>
+        <p:nvSpPr>
+          <p:cNvPr id="28" name="Text 11"/>
+          <p:cNvSpPr/>
+          <p:nvPr/>
+        </p:nvSpPr>
+        <p:spPr>
+          <a:xfrm>
+            <a:off x="1640703" y="5954491"/>
+            <a:ext cx="2434352" cy="304324"/>
+          </a:xfrm>
+          <a:prstGeom prst="rect">
+            <a:avLst/>
+          </a:prstGeom>
+          <a:noFill/>
+          <a:ln/>
+        </p:spPr>
+        <p:txBody>
+          <a:bodyPr wrap="none" lIns="0" tIns="0" rIns="0" bIns="0" anchor="t"/>
+          <a:lstStyle/>
+          <a:p>
+            <a:pPr marL="0" indent="0" algn="l">
+              <a:lnSpc>
+                <a:spcPct val="100000"/>
+              </a:lnSpc>
+              <a:buNone/>
+              <a:defRPr lang="ko-KR" altLang="en-US"/>
+            </a:pPr>
+            <a:r>
+              <a:rPr lang="ko-KR" altLang="en-US" sz="1900" b="1" dirty="0" smtClean="0">
+                <a:latin typeface="HY견고딕" panose="02030600000101010101" pitchFamily="18" charset="-127"/>
+                <a:ea typeface="HY견고딕" panose="02030600000101010101" pitchFamily="18" charset="-127"/>
+              </a:rPr>
+              <a:t>설정</a:t>
+            </a:r>
+            <a:endParaRPr lang="en-US" sz="1900" dirty="0">
+              <a:latin typeface="HY견고딕" panose="02030600000101010101" pitchFamily="18" charset="-127"/>
+              <a:ea typeface="HY견고딕" panose="02030600000101010101" pitchFamily="18" charset="-127"/>
+            </a:endParaRPr>
+          </a:p>
+        </p:txBody>
+      </p:sp>
+      <p:sp>
+        <p:nvSpPr>
+          <p:cNvPr id="29" name="Text 12"/>
+          <p:cNvSpPr/>
+          <p:nvPr/>
+        </p:nvSpPr>
+        <p:spPr>
+          <a:xfrm>
+            <a:off x="1640703" y="6436456"/>
+            <a:ext cx="9875563" cy="642461"/>
+          </a:xfrm>
+          <a:prstGeom prst="rect">
+            <a:avLst/>
+          </a:prstGeom>
+          <a:noFill/>
+          <a:ln/>
+        </p:spPr>
+        <p:txBody>
+          <a:bodyPr wrap="square" lIns="0" tIns="0" rIns="0" bIns="0" anchor="t"/>
+          <a:lstStyle/>
+          <a:p>
+            <a:pPr>
+              <a:defRPr lang="ko-KR" altLang="en-US"/>
+            </a:pPr>
+            <a:r>
+              <a:rPr lang="ko-KR" altLang="en-US" sz="1650" dirty="0" smtClean="0">
+                <a:solidFill>
+                  <a:srgbClr val="3D3838"/>
+                </a:solidFill>
+                <a:latin typeface="HY견고딕" panose="02030600000101010101" pitchFamily="18" charset="-127"/>
+                <a:ea typeface="HY견고딕" panose="02030600000101010101" pitchFamily="18" charset="-127"/>
+              </a:rPr>
+              <a:t>작성한 내용을 빠르고 정확하게 볼 수 있도록 텍스트의 크기 조절 기능이 있으면 좋겠다</a:t>
+            </a:r>
+            <a:r>
+              <a:rPr lang="en-US" altLang="ko-KR" sz="1650" dirty="0" smtClean="0">
+                <a:solidFill>
+                  <a:srgbClr val="3D3838"/>
+                </a:solidFill>
+                <a:latin typeface="HY견고딕" panose="02030600000101010101" pitchFamily="18" charset="-127"/>
+                <a:ea typeface="HY견고딕" panose="02030600000101010101" pitchFamily="18" charset="-127"/>
+              </a:rPr>
+              <a:t>.</a:t>
+            </a:r>
+            <a:endParaRPr lang="en-US" sz="1650" dirty="0">
+              <a:solidFill>
+                <a:srgbClr val="3D3838"/>
+              </a:solidFill>
+              <a:latin typeface="HY견고딕" panose="02030600000101010101" pitchFamily="18" charset="-127"/>
+              <a:ea typeface="HY견고딕" panose="02030600000101010101" pitchFamily="18" charset="-127"/>
+            </a:endParaRPr>
+          </a:p>
+        </p:txBody>
+      </p:sp>
+      <p:sp>
+        <p:nvSpPr>
+          <p:cNvPr id="30" name="포인트가 5개인 별 29"/>
+          <p:cNvSpPr/>
+          <p:nvPr/>
+        </p:nvSpPr>
+        <p:spPr>
+          <a:xfrm>
+            <a:off x="1072788" y="6092259"/>
+            <a:ext cx="206428" cy="206428"/>
+          </a:xfrm>
+          <a:prstGeom prst="star5">
+            <a:avLst>
+              <a:gd name="adj" fmla="val 23593"/>
+              <a:gd name="hf" fmla="val 105146"/>
+              <a:gd name="vf" fmla="val 110557"/>
+            </a:avLst>
+          </a:prstGeom>
+          <a:noFill/>
+          <a:ln w="25400">
+            <a:solidFill>
+              <a:schemeClr val="tx1"/>
+            </a:solidFill>
+          </a:ln>
+        </p:spPr>
+        <p:style>
+          <a:lnRef idx="2">
+            <a:schemeClr val="accent1">
+              <a:shade val="50000"/>
+            </a:schemeClr>
+          </a:lnRef>
+          <a:fillRef idx="1">
+            <a:schemeClr val="accent1"/>
+          </a:fillRef>
+          <a:effectRef idx="0">
+            <a:schemeClr val="accent1"/>
+          </a:effectRef>
+          <a:fontRef idx="minor">
+            <a:schemeClr val="lt1"/>
+          </a:fontRef>
+        </p:style>
+        <p:txBody>
+          <a:bodyPr rtlCol="0" anchor="ctr"/>
+          <a:lstStyle/>
+          <a:p>
+            <a:pPr algn="ctr"/>
+            <a:endParaRPr lang="ko-KR" altLang="en-US"/>
+          </a:p>
+        </p:txBody>
+      </p:sp>
+    </p:spTree>
+    <p:extLst>
+      <p:ext uri="{BB962C8B-B14F-4D97-AF65-F5344CB8AC3E}">
+        <p14:creationId xmlns:p14="http://schemas.microsoft.com/office/powerpoint/2010/main" val="449882057"/>
+      </p:ext>
+    </p:extLst>
+  </p:cSld>
+  <p:clrMapOvr>
+    <a:masterClrMapping/>
+  </p:clrMapOvr>
+  <p:transition/>
+</p:sld>
+</file>
+
+<file path=ppt/slides/slide4.xml><?xml version="1.0" encoding="utf-8"?>
+<p:sld xmlns:a="http://schemas.openxmlformats.org/drawingml/2006/main" xmlns:r="http://schemas.openxmlformats.org/officeDocument/2006/relationships" xmlns:p="http://schemas.openxmlformats.org/presentationml/2006/main">
+  <p:cSld name="Slide 3">
+    <p:spTree>
+      <p:nvGrpSpPr>
+        <p:cNvPr id="1" name=""/>
+        <p:cNvGrpSpPr/>
+        <p:nvPr/>
+      </p:nvGrpSpPr>
+      <p:grpSpPr>
+        <a:xfrm>
+          <a:off x="0" y="0"/>
+          <a:ext cx="0" cy="0"/>
+          <a:chOff x="0" y="0"/>
+          <a:chExt cx="0" cy="0"/>
+        </a:xfrm>
+      </p:grpSpPr>
+      <p:sp>
+        <p:nvSpPr>
+          <p:cNvPr id="3" name="Text 0"/>
+          <p:cNvSpPr/>
+          <p:nvPr/>
+        </p:nvSpPr>
+        <p:spPr>
+          <a:xfrm>
+            <a:off x="944545" y="582804"/>
+            <a:ext cx="5090874" cy="636389"/>
+          </a:xfrm>
+          <a:prstGeom prst="rect">
+            <a:avLst/>
+          </a:prstGeom>
+          <a:noFill/>
+          <a:ln/>
+        </p:spPr>
+        <p:txBody>
+          <a:bodyPr wrap="none" lIns="0" tIns="0" rIns="0" bIns="0" anchor="t"/>
+          <a:lstStyle/>
+          <a:p>
+            <a:pPr marL="0" indent="0" algn="l">
+              <a:lnSpc>
+                <a:spcPct val="100000"/>
+              </a:lnSpc>
+              <a:buNone/>
+              <a:defRPr lang="ko-KR" altLang="en-US"/>
+            </a:pPr>
+            <a:r>
+              <a:rPr lang="ko-KR" altLang="en-US" sz="4000" b="1" dirty="0">
+                <a:solidFill>
+                  <a:srgbClr val="000000"/>
+                </a:solidFill>
+                <a:latin typeface="HY견고딕" panose="02030600000101010101" pitchFamily="18" charset="-127"/>
+                <a:ea typeface="HY견고딕" panose="02030600000101010101" pitchFamily="18" charset="-127"/>
+                <a:cs typeface="Montserrat Bold"/>
+              </a:rPr>
+              <a:t>개발 일정</a:t>
+            </a:r>
+          </a:p>
+        </p:txBody>
+      </p:sp>
+      <p:sp>
+        <p:nvSpPr>
+          <p:cNvPr id="26" name="직사각형 25"/>
+          <p:cNvSpPr/>
+          <p:nvPr/>
+        </p:nvSpPr>
+        <p:spPr>
+          <a:xfrm>
+            <a:off x="12713786" y="7639345"/>
+            <a:ext cx="1916614" cy="590255"/>
+          </a:xfrm>
+          <a:prstGeom prst="rect">
+            <a:avLst/>
+          </a:prstGeom>
+          <a:solidFill>
+            <a:schemeClr val="bg1"/>
+          </a:solidFill>
+          <a:ln>
+            <a:noFill/>
+          </a:ln>
+        </p:spPr>
+        <p:style>
+          <a:lnRef idx="2">
+            <a:schemeClr val="accent1">
+              <a:shade val="20000"/>
+            </a:schemeClr>
+          </a:lnRef>
+          <a:fillRef idx="1">
+            <a:schemeClr val="accent1"/>
+          </a:fillRef>
+          <a:effectRef idx="0">
+            <a:schemeClr val="accent1"/>
+          </a:effectRef>
+          <a:fontRef idx="minor">
+            <a:schemeClr val="lt1"/>
+          </a:fontRef>
+        </p:style>
+        <p:txBody>
+          <a:bodyPr anchor="ctr"/>
+          <a:lstStyle/>
+          <a:p>
+            <a:pPr algn="ctr">
+              <a:defRPr lang="ko-KR" altLang="en-US"/>
+            </a:pPr>
+            <a:endParaRPr lang="ko-KR" altLang="en-US"/>
+          </a:p>
+        </p:txBody>
+      </p:sp>
       <p:pic>
         <p:nvPicPr>
           <p:cNvPr id="2" name="그림 1"/>
@@ -3911,7 +4725,7 @@
 </p:sld>
 </file>
 
-<file path=ppt/slides/slide4.xml><?xml version="1.0" encoding="utf-8"?>
+<file path=ppt/slides/slide5.xml><?xml version="1.0" encoding="utf-8"?>
 <p:sld xmlns:a="http://schemas.openxmlformats.org/drawingml/2006/main" xmlns:r="http://schemas.openxmlformats.org/officeDocument/2006/relationships" xmlns:p="http://schemas.openxmlformats.org/presentationml/2006/main">
   <p:cSld name="Slide 4">
     <p:spTree>
@@ -4796,7 +5610,7 @@
 </p:sld>
 </file>
 
-<file path=ppt/slides/slide5.xml><?xml version="1.0" encoding="utf-8"?>
+<file path=ppt/slides/slide6.xml><?xml version="1.0" encoding="utf-8"?>
 <p:sld xmlns:a="http://schemas.openxmlformats.org/drawingml/2006/main" xmlns:r="http://schemas.openxmlformats.org/officeDocument/2006/relationships" xmlns:p="http://schemas.openxmlformats.org/presentationml/2006/main">
   <p:cSld name="Slide 5">
     <p:spTree>
@@ -7212,7 +8026,7 @@
 </p:sld>
 </file>
 
-<file path=ppt/slides/slide6.xml><?xml version="1.0" encoding="utf-8"?>
+<file path=ppt/slides/slide7.xml><?xml version="1.0" encoding="utf-8"?>
 <p:sld xmlns:a="http://schemas.openxmlformats.org/drawingml/2006/main" xmlns:r="http://schemas.openxmlformats.org/officeDocument/2006/relationships" xmlns:p="http://schemas.openxmlformats.org/presentationml/2006/main">
   <p:cSld name="Slide 6">
     <p:spTree>
@@ -7914,7 +8728,7 @@
 </p:sld>
 </file>
 
-<file path=ppt/slides/slide7.xml><?xml version="1.0" encoding="utf-8"?>
+<file path=ppt/slides/slide8.xml><?xml version="1.0" encoding="utf-8"?>
 <p:sld xmlns:a="http://schemas.openxmlformats.org/drawingml/2006/main" xmlns:r="http://schemas.openxmlformats.org/officeDocument/2006/relationships" xmlns:p="http://schemas.openxmlformats.org/presentationml/2006/main">
   <p:cSld name="Slide 7">
     <p:spTree>

--- a/9주차 최종본.pptx
+++ b/9주차 최종본.pptx
@@ -21,20 +21,20 @@
   <p:notesSz cx="8229600" cy="14630400"/>
   <p:embeddedFontLst>
     <p:embeddedFont>
-      <p:font typeface="HY견고딕" panose="02030600000101010101" pitchFamily="18" charset="-127"/>
+      <p:font typeface="Calibri" panose="020F0502020204030204" pitchFamily="34" charset="0"/>
       <p:regular r:id="rId11"/>
-    </p:embeddedFont>
-    <p:embeddedFont>
-      <p:font typeface="Calibri" panose="020F0502020204030204" pitchFamily="34" charset="0"/>
-      <p:regular r:id="rId12"/>
-      <p:bold r:id="rId13"/>
-      <p:italic r:id="rId14"/>
-      <p:boldItalic r:id="rId15"/>
+      <p:bold r:id="rId12"/>
+      <p:italic r:id="rId13"/>
+      <p:boldItalic r:id="rId14"/>
     </p:embeddedFont>
     <p:embeddedFont>
       <p:font typeface="맑은 고딕" panose="020B0503020000020004" pitchFamily="50" charset="-127"/>
-      <p:regular r:id="rId16"/>
-      <p:bold r:id="rId17"/>
+      <p:regular r:id="rId15"/>
+      <p:bold r:id="rId16"/>
+    </p:embeddedFont>
+    <p:embeddedFont>
+      <p:font typeface="HY견고딕" panose="02030600000101010101" pitchFamily="18" charset="-127"/>
+      <p:regular r:id="rId17"/>
     </p:embeddedFont>
   </p:embeddedFontLst>
   <p:defaultTextStyle>
